--- a/9_VLFeat/graphs.pptx
+++ b/9_VLFeat/graphs.pptx
@@ -289,7 +289,7 @@
           <a:p>
             <a:fld id="{B19D59C6-FD79-43C6-B678-737628B0F097}" type="datetimeFigureOut">
               <a:rPr lang="zh-CN" altLang="en-US" smtClean="0"/>
-              <a:t>2016/12/11 Sunday</a:t>
+              <a:t>2016/12/12 Monday</a:t>
             </a:fld>
             <a:endParaRPr lang="zh-CN" altLang="en-US"/>
           </a:p>
@@ -459,7 +459,7 @@
           <a:p>
             <a:fld id="{B19D59C6-FD79-43C6-B678-737628B0F097}" type="datetimeFigureOut">
               <a:rPr lang="zh-CN" altLang="en-US" smtClean="0"/>
-              <a:t>2016/12/11 Sunday</a:t>
+              <a:t>2016/12/12 Monday</a:t>
             </a:fld>
             <a:endParaRPr lang="zh-CN" altLang="en-US"/>
           </a:p>
@@ -639,7 +639,7 @@
           <a:p>
             <a:fld id="{B19D59C6-FD79-43C6-B678-737628B0F097}" type="datetimeFigureOut">
               <a:rPr lang="zh-CN" altLang="en-US" smtClean="0"/>
-              <a:t>2016/12/11 Sunday</a:t>
+              <a:t>2016/12/12 Monday</a:t>
             </a:fld>
             <a:endParaRPr lang="zh-CN" altLang="en-US"/>
           </a:p>
@@ -809,7 +809,7 @@
           <a:p>
             <a:fld id="{B19D59C6-FD79-43C6-B678-737628B0F097}" type="datetimeFigureOut">
               <a:rPr lang="zh-CN" altLang="en-US" smtClean="0"/>
-              <a:t>2016/12/11 Sunday</a:t>
+              <a:t>2016/12/12 Monday</a:t>
             </a:fld>
             <a:endParaRPr lang="zh-CN" altLang="en-US"/>
           </a:p>
@@ -1055,7 +1055,7 @@
           <a:p>
             <a:fld id="{B19D59C6-FD79-43C6-B678-737628B0F097}" type="datetimeFigureOut">
               <a:rPr lang="zh-CN" altLang="en-US" smtClean="0"/>
-              <a:t>2016/12/11 Sunday</a:t>
+              <a:t>2016/12/12 Monday</a:t>
             </a:fld>
             <a:endParaRPr lang="zh-CN" altLang="en-US"/>
           </a:p>
@@ -1343,7 +1343,7 @@
           <a:p>
             <a:fld id="{B19D59C6-FD79-43C6-B678-737628B0F097}" type="datetimeFigureOut">
               <a:rPr lang="zh-CN" altLang="en-US" smtClean="0"/>
-              <a:t>2016/12/11 Sunday</a:t>
+              <a:t>2016/12/12 Monday</a:t>
             </a:fld>
             <a:endParaRPr lang="zh-CN" altLang="en-US"/>
           </a:p>
@@ -1765,7 +1765,7 @@
           <a:p>
             <a:fld id="{B19D59C6-FD79-43C6-B678-737628B0F097}" type="datetimeFigureOut">
               <a:rPr lang="zh-CN" altLang="en-US" smtClean="0"/>
-              <a:t>2016/12/11 Sunday</a:t>
+              <a:t>2016/12/12 Monday</a:t>
             </a:fld>
             <a:endParaRPr lang="zh-CN" altLang="en-US"/>
           </a:p>
@@ -1883,7 +1883,7 @@
           <a:p>
             <a:fld id="{B19D59C6-FD79-43C6-B678-737628B0F097}" type="datetimeFigureOut">
               <a:rPr lang="zh-CN" altLang="en-US" smtClean="0"/>
-              <a:t>2016/12/11 Sunday</a:t>
+              <a:t>2016/12/12 Monday</a:t>
             </a:fld>
             <a:endParaRPr lang="zh-CN" altLang="en-US"/>
           </a:p>
@@ -1978,7 +1978,7 @@
           <a:p>
             <a:fld id="{B19D59C6-FD79-43C6-B678-737628B0F097}" type="datetimeFigureOut">
               <a:rPr lang="zh-CN" altLang="en-US" smtClean="0"/>
-              <a:t>2016/12/11 Sunday</a:t>
+              <a:t>2016/12/12 Monday</a:t>
             </a:fld>
             <a:endParaRPr lang="zh-CN" altLang="en-US"/>
           </a:p>
@@ -2255,7 +2255,7 @@
           <a:p>
             <a:fld id="{B19D59C6-FD79-43C6-B678-737628B0F097}" type="datetimeFigureOut">
               <a:rPr lang="zh-CN" altLang="en-US" smtClean="0"/>
-              <a:t>2016/12/11 Sunday</a:t>
+              <a:t>2016/12/12 Monday</a:t>
             </a:fld>
             <a:endParaRPr lang="zh-CN" altLang="en-US"/>
           </a:p>
@@ -2508,7 +2508,7 @@
           <a:p>
             <a:fld id="{B19D59C6-FD79-43C6-B678-737628B0F097}" type="datetimeFigureOut">
               <a:rPr lang="zh-CN" altLang="en-US" smtClean="0"/>
-              <a:t>2016/12/11 Sunday</a:t>
+              <a:t>2016/12/12 Monday</a:t>
             </a:fld>
             <a:endParaRPr lang="zh-CN" altLang="en-US"/>
           </a:p>
@@ -2721,7 +2721,7 @@
           <a:p>
             <a:fld id="{B19D59C6-FD79-43C6-B678-737628B0F097}" type="datetimeFigureOut">
               <a:rPr lang="zh-CN" altLang="en-US" smtClean="0"/>
-              <a:t>2016/12/11 Sunday</a:t>
+              <a:t>2016/12/12 Monday</a:t>
             </a:fld>
             <a:endParaRPr lang="zh-CN" altLang="en-US"/>
           </a:p>
@@ -3768,8 +3768,8 @@
         </p:nvSpPr>
         <p:spPr>
           <a:xfrm>
-            <a:off x="1282550" y="2483664"/>
-            <a:ext cx="2734855" cy="646331"/>
+            <a:off x="1115616" y="2276872"/>
+            <a:ext cx="3024336" cy="369332"/>
           </a:xfrm>
           <a:prstGeom prst="rect">
             <a:avLst/>
@@ -3814,8 +3814,8 @@
         </p:nvSpPr>
         <p:spPr>
           <a:xfrm>
-            <a:off x="1280262" y="1310365"/>
-            <a:ext cx="2737143" cy="369332"/>
+            <a:off x="1138816" y="1310365"/>
+            <a:ext cx="3001136" cy="369332"/>
           </a:xfrm>
           <a:prstGeom prst="rect">
             <a:avLst/>
@@ -3868,8 +3868,8 @@
         </p:nvSpPr>
         <p:spPr>
           <a:xfrm>
-            <a:off x="1249115" y="3850075"/>
-            <a:ext cx="2768290" cy="923330"/>
+            <a:off x="1174924" y="3184196"/>
+            <a:ext cx="2768290" cy="646331"/>
           </a:xfrm>
           <a:prstGeom prst="rect">
             <a:avLst/>
@@ -3912,28 +3912,13 @@
             </a:r>
             <a:r>
               <a:rPr lang="en-US" altLang="zh-CN" dirty="0" smtClean="0"/>
-              <a:t> to select most discriminative descriptors</a:t>
-            </a:r>
-          </a:p>
-          <a:p>
-            <a:pPr algn="ctr"/>
+              <a:t> to select most discriminative </a:t>
+            </a:r>
             <a:r>
               <a:rPr lang="en-US" altLang="zh-CN" dirty="0" smtClean="0"/>
-              <a:t>(</a:t>
-            </a:r>
-            <a:r>
-              <a:rPr lang="en-US" altLang="zh-CN" i="1" dirty="0" smtClean="0"/>
-              <a:t>k = k</a:t>
-            </a:r>
-            <a:r>
-              <a:rPr lang="en-US" altLang="zh-CN" sz="1200" i="1" dirty="0" smtClean="0"/>
-              <a:t>1</a:t>
-            </a:r>
-            <a:r>
-              <a:rPr lang="en-US" altLang="zh-CN" dirty="0" smtClean="0"/>
-              <a:t>)</a:t>
-            </a:r>
-            <a:endParaRPr lang="zh-CN" altLang="en-US" dirty="0"/>
+              <a:t>descriptors</a:t>
+            </a:r>
+            <a:endParaRPr lang="en-US" altLang="zh-CN" dirty="0" smtClean="0"/>
           </a:p>
         </p:txBody>
       </p:sp>
@@ -3945,8 +3930,8 @@
         </p:nvSpPr>
         <p:spPr>
           <a:xfrm>
-            <a:off x="4823250" y="3665409"/>
-            <a:ext cx="2770409" cy="1200329"/>
+            <a:off x="4825927" y="2851709"/>
+            <a:ext cx="2770409" cy="923330"/>
           </a:xfrm>
           <a:prstGeom prst="rect">
             <a:avLst/>
@@ -3992,24 +3977,13 @@
             <a:pPr algn="ctr"/>
             <a:r>
               <a:rPr lang="en-US" altLang="zh-CN" dirty="0" smtClean="0"/>
-              <a:t>font classification using trained descriptors</a:t>
-            </a:r>
-          </a:p>
-          <a:p>
-            <a:pPr algn="ctr"/>
-            <a:r>
-              <a:rPr lang="en-US" altLang="zh-CN" i="1" dirty="0" smtClean="0"/>
-              <a:t> (k = k</a:t>
-            </a:r>
-            <a:r>
-              <a:rPr lang="en-US" altLang="zh-CN" sz="1200" i="1" dirty="0" smtClean="0"/>
-              <a:t>2</a:t>
-            </a:r>
-            <a:r>
-              <a:rPr lang="en-US" altLang="zh-CN" i="1" dirty="0" smtClean="0"/>
-              <a:t>)</a:t>
-            </a:r>
-            <a:endParaRPr lang="zh-CN" altLang="en-US" i="1" dirty="0"/>
+              <a:t>font classification using trained </a:t>
+            </a:r>
+            <a:r>
+              <a:rPr lang="en-US" altLang="zh-CN" dirty="0" smtClean="0"/>
+              <a:t>descriptors</a:t>
+            </a:r>
+            <a:endParaRPr lang="en-US" altLang="zh-CN" dirty="0" smtClean="0"/>
           </a:p>
         </p:txBody>
       </p:sp>
@@ -4021,8 +3995,8 @@
         </p:nvSpPr>
         <p:spPr>
           <a:xfrm>
-            <a:off x="2538534" y="1845779"/>
-            <a:ext cx="220600" cy="564926"/>
+            <a:off x="2522960" y="1711946"/>
+            <a:ext cx="210083" cy="537993"/>
           </a:xfrm>
           <a:prstGeom prst="downArrow">
             <a:avLst/>
@@ -4067,14 +4041,14 @@
       </p:sp>
       <p:sp>
         <p:nvSpPr>
-          <p:cNvPr id="16" name="下箭头 15"/>
+          <p:cNvPr id="17" name="下箭头 16"/>
           <p:cNvSpPr/>
           <p:nvPr/>
         </p:nvSpPr>
         <p:spPr>
           <a:xfrm>
-            <a:off x="2512443" y="3202003"/>
-            <a:ext cx="220600" cy="564926"/>
+            <a:off x="6050746" y="2491541"/>
+            <a:ext cx="167288" cy="360168"/>
           </a:xfrm>
           <a:prstGeom prst="downArrow">
             <a:avLst/>
@@ -4119,16 +4093,140 @@
       </p:sp>
       <p:sp>
         <p:nvSpPr>
-          <p:cNvPr id="17" name="下箭头 16"/>
+          <p:cNvPr id="19" name="TextBox 18"/>
+          <p:cNvSpPr txBox="1"/>
+          <p:nvPr/>
+        </p:nvSpPr>
+        <p:spPr>
+          <a:xfrm>
+            <a:off x="4696286" y="1177711"/>
+            <a:ext cx="3060340" cy="369332"/>
+          </a:xfrm>
+          <a:prstGeom prst="rect">
+            <a:avLst/>
+          </a:prstGeom>
+          <a:noFill/>
+          <a:ln>
+            <a:noFill/>
+          </a:ln>
+        </p:spPr>
+        <p:style>
+          <a:lnRef idx="2">
+            <a:schemeClr val="dk1"/>
+          </a:lnRef>
+          <a:fillRef idx="1">
+            <a:schemeClr val="lt1"/>
+          </a:fillRef>
+          <a:effectRef idx="0">
+            <a:schemeClr val="dk1"/>
+          </a:effectRef>
+          <a:fontRef idx="minor">
+            <a:schemeClr val="dk1"/>
+          </a:fontRef>
+        </p:style>
+        <p:txBody>
+          <a:bodyPr wrap="square" rtlCol="0">
+            <a:spAutoFit/>
+          </a:bodyPr>
+          <a:lstStyle/>
+          <a:p>
+            <a:pPr algn="ctr"/>
+            <a:r>
+              <a:rPr lang="en-US" altLang="zh-CN" dirty="0" smtClean="0">
+                <a:solidFill>
+                  <a:schemeClr val="bg1">
+                    <a:lumMod val="50000"/>
+                  </a:schemeClr>
+                </a:solidFill>
+              </a:rPr>
+              <a:t>Macro-parameter </a:t>
+            </a:r>
+            <a:r>
+              <a:rPr lang="en-US" altLang="zh-CN" dirty="0" smtClean="0">
+                <a:solidFill>
+                  <a:schemeClr val="bg1">
+                    <a:lumMod val="50000"/>
+                  </a:schemeClr>
+                </a:solidFill>
+              </a:rPr>
+              <a:t>Tuning</a:t>
+            </a:r>
+            <a:endParaRPr lang="en-US" altLang="zh-CN" dirty="0" smtClean="0">
+              <a:solidFill>
+                <a:schemeClr val="bg1">
+                  <a:lumMod val="50000"/>
+                </a:schemeClr>
+              </a:solidFill>
+            </a:endParaRPr>
+          </a:p>
+        </p:txBody>
+      </p:sp>
+      <p:sp>
+        <p:nvSpPr>
+          <p:cNvPr id="23" name="TextBox 22"/>
+          <p:cNvSpPr txBox="1"/>
+          <p:nvPr/>
+        </p:nvSpPr>
+        <p:spPr>
+          <a:xfrm>
+            <a:off x="4809276" y="2122209"/>
+            <a:ext cx="2770409" cy="369332"/>
+          </a:xfrm>
+          <a:prstGeom prst="rect">
+            <a:avLst/>
+          </a:prstGeom>
+        </p:spPr>
+        <p:style>
+          <a:lnRef idx="2">
+            <a:schemeClr val="accent4">
+              <a:shade val="50000"/>
+            </a:schemeClr>
+          </a:lnRef>
+          <a:fillRef idx="1">
+            <a:schemeClr val="accent4"/>
+          </a:fillRef>
+          <a:effectRef idx="0">
+            <a:schemeClr val="accent4"/>
+          </a:effectRef>
+          <a:fontRef idx="minor">
+            <a:schemeClr val="lt1"/>
+          </a:fontRef>
+        </p:style>
+        <p:txBody>
+          <a:bodyPr wrap="square" rtlCol="0">
+            <a:spAutoFit/>
+          </a:bodyPr>
+          <a:lstStyle/>
+          <a:p>
+            <a:pPr algn="ctr"/>
+            <a:r>
+              <a:rPr lang="en-US" altLang="zh-CN" dirty="0" smtClean="0"/>
+              <a:t>Extract </a:t>
+            </a:r>
+            <a:r>
+              <a:rPr lang="en-US" altLang="zh-CN" b="1" i="1" dirty="0" smtClean="0"/>
+              <a:t>SIFT</a:t>
+            </a:r>
+            <a:r>
+              <a:rPr lang="en-US" altLang="zh-CN" dirty="0" smtClean="0"/>
+              <a:t> descriptors</a:t>
+            </a:r>
+            <a:endParaRPr lang="zh-CN" altLang="en-US" dirty="0"/>
+          </a:p>
+        </p:txBody>
+      </p:sp>
+      <p:sp>
+        <p:nvSpPr>
+          <p:cNvPr id="26" name="右箭头 25"/>
           <p:cNvSpPr/>
           <p:nvPr/>
         </p:nvSpPr>
         <p:spPr>
           <a:xfrm>
-            <a:off x="6124810" y="3202003"/>
-            <a:ext cx="167288" cy="360168"/>
-          </a:xfrm>
-          <a:prstGeom prst="downArrow">
+            <a:off x="4118744" y="3291337"/>
+            <a:ext cx="556334" cy="216024"/>
+          </a:xfrm>
+          <a:prstGeom prst="rightArrow">
             <a:avLst/>
           </a:prstGeom>
           <a:solidFill>
@@ -4140,6 +4238,7 @@
             <a:solidFill>
               <a:schemeClr val="bg1">
                 <a:lumMod val="65000"/>
+                <a:alpha val="99000"/>
               </a:schemeClr>
             </a:solidFill>
           </a:ln>
@@ -4171,197 +4270,26 @@
       </p:sp>
       <p:sp>
         <p:nvSpPr>
-          <p:cNvPr id="19" name="TextBox 18"/>
-          <p:cNvSpPr txBox="1"/>
+          <p:cNvPr id="29" name="矩形 28"/>
+          <p:cNvSpPr/>
           <p:nvPr/>
         </p:nvSpPr>
         <p:spPr>
           <a:xfrm>
-            <a:off x="4696286" y="1136963"/>
-            <a:ext cx="3060340" cy="646331"/>
+            <a:off x="971600" y="1124744"/>
+            <a:ext cx="3168352" cy="2880320"/>
           </a:xfrm>
           <a:prstGeom prst="rect">
             <a:avLst/>
           </a:prstGeom>
           <a:noFill/>
           <a:ln>
-            <a:noFill/>
-          </a:ln>
-        </p:spPr>
-        <p:style>
-          <a:lnRef idx="2">
-            <a:schemeClr val="dk1"/>
-          </a:lnRef>
-          <a:fillRef idx="1">
-            <a:schemeClr val="lt1"/>
-          </a:fillRef>
-          <a:effectRef idx="0">
-            <a:schemeClr val="dk1"/>
-          </a:effectRef>
-          <a:fontRef idx="minor">
-            <a:schemeClr val="dk1"/>
-          </a:fontRef>
-        </p:style>
-        <p:txBody>
-          <a:bodyPr wrap="square" rtlCol="0">
-            <a:spAutoFit/>
-          </a:bodyPr>
-          <a:lstStyle/>
-          <a:p>
-            <a:pPr algn="ctr"/>
-            <a:r>
-              <a:rPr lang="en-US" altLang="zh-CN" dirty="0" smtClean="0">
-                <a:solidFill>
-                  <a:schemeClr val="bg1">
-                    <a:lumMod val="50000"/>
-                  </a:schemeClr>
-                </a:solidFill>
-              </a:rPr>
-              <a:t>Macro-parameter Tune</a:t>
-            </a:r>
-          </a:p>
-          <a:p>
-            <a:pPr algn="ctr"/>
-            <a:r>
-              <a:rPr lang="en-US" altLang="zh-CN" dirty="0" smtClean="0">
-                <a:solidFill>
-                  <a:schemeClr val="bg1">
-                    <a:lumMod val="50000"/>
-                  </a:schemeClr>
-                </a:solidFill>
-              </a:rPr>
-              <a:t> </a:t>
-            </a:r>
-            <a:r>
-              <a:rPr lang="en-US" altLang="zh-CN" i="1" dirty="0" smtClean="0">
-                <a:solidFill>
-                  <a:schemeClr val="bg1">
-                    <a:lumMod val="50000"/>
-                  </a:schemeClr>
-                </a:solidFill>
-              </a:rPr>
-              <a:t>k</a:t>
-            </a:r>
-            <a:r>
-              <a:rPr lang="en-US" altLang="zh-CN" sz="1200" i="1" dirty="0" smtClean="0">
-                <a:solidFill>
-                  <a:schemeClr val="bg1">
-                    <a:lumMod val="50000"/>
-                  </a:schemeClr>
-                </a:solidFill>
-              </a:rPr>
-              <a:t>1</a:t>
-            </a:r>
-            <a:r>
-              <a:rPr lang="en-US" altLang="zh-CN" i="1" dirty="0" smtClean="0">
-                <a:solidFill>
-                  <a:schemeClr val="bg1">
-                    <a:lumMod val="50000"/>
-                  </a:schemeClr>
-                </a:solidFill>
-              </a:rPr>
-              <a:t> &amp; k</a:t>
-            </a:r>
-            <a:r>
-              <a:rPr lang="en-US" altLang="zh-CN" sz="1200" i="1" dirty="0" smtClean="0">
-                <a:solidFill>
-                  <a:schemeClr val="bg1">
-                    <a:lumMod val="50000"/>
-                  </a:schemeClr>
-                </a:solidFill>
-              </a:rPr>
-              <a:t>2</a:t>
-            </a:r>
-            <a:endParaRPr lang="zh-CN" altLang="en-US" dirty="0">
-              <a:solidFill>
-                <a:schemeClr val="bg1">
-                  <a:lumMod val="50000"/>
-                </a:schemeClr>
-              </a:solidFill>
-            </a:endParaRPr>
-          </a:p>
-        </p:txBody>
-      </p:sp>
-      <p:sp>
-        <p:nvSpPr>
-          <p:cNvPr id="23" name="TextBox 22"/>
-          <p:cNvSpPr txBox="1"/>
-          <p:nvPr/>
-        </p:nvSpPr>
-        <p:spPr>
-          <a:xfrm>
-            <a:off x="4823250" y="2663624"/>
-            <a:ext cx="2770409" cy="369332"/>
-          </a:xfrm>
-          <a:prstGeom prst="rect">
-            <a:avLst/>
-          </a:prstGeom>
-        </p:spPr>
-        <p:style>
-          <a:lnRef idx="2">
-            <a:schemeClr val="accent4">
-              <a:shade val="50000"/>
-            </a:schemeClr>
-          </a:lnRef>
-          <a:fillRef idx="1">
-            <a:schemeClr val="accent4"/>
-          </a:fillRef>
-          <a:effectRef idx="0">
-            <a:schemeClr val="accent4"/>
-          </a:effectRef>
-          <a:fontRef idx="minor">
-            <a:schemeClr val="lt1"/>
-          </a:fontRef>
-        </p:style>
-        <p:txBody>
-          <a:bodyPr wrap="square" rtlCol="0">
-            <a:spAutoFit/>
-          </a:bodyPr>
-          <a:lstStyle/>
-          <a:p>
-            <a:pPr algn="ctr"/>
-            <a:r>
-              <a:rPr lang="en-US" altLang="zh-CN" dirty="0" smtClean="0"/>
-              <a:t>Extract </a:t>
-            </a:r>
-            <a:r>
-              <a:rPr lang="en-US" altLang="zh-CN" b="1" i="1" dirty="0" smtClean="0"/>
-              <a:t>SIFT</a:t>
-            </a:r>
-            <a:r>
-              <a:rPr lang="en-US" altLang="zh-CN" dirty="0" smtClean="0"/>
-              <a:t> descriptors</a:t>
-            </a:r>
-            <a:endParaRPr lang="zh-CN" altLang="en-US" dirty="0"/>
-          </a:p>
-        </p:txBody>
-      </p:sp>
-      <p:sp>
-        <p:nvSpPr>
-          <p:cNvPr id="26" name="右箭头 25"/>
-          <p:cNvSpPr/>
-          <p:nvPr/>
-        </p:nvSpPr>
-        <p:spPr>
-          <a:xfrm>
-            <a:off x="4139952" y="4177249"/>
-            <a:ext cx="556334" cy="216024"/>
-          </a:xfrm>
-          <a:prstGeom prst="rightArrow">
-            <a:avLst/>
-          </a:prstGeom>
-          <a:solidFill>
-            <a:schemeClr val="bg1">
-              <a:lumMod val="65000"/>
-            </a:schemeClr>
-          </a:solidFill>
-          <a:ln>
             <a:solidFill>
               <a:schemeClr val="bg1">
-                <a:lumMod val="65000"/>
-                <a:alpha val="99000"/>
+                <a:lumMod val="50000"/>
               </a:schemeClr>
             </a:solidFill>
+            <a:prstDash val="sysDash"/>
           </a:ln>
         </p:spPr>
         <p:style>
@@ -4391,14 +4319,59 @@
       </p:sp>
       <p:sp>
         <p:nvSpPr>
-          <p:cNvPr id="29" name="矩形 28"/>
+          <p:cNvPr id="30" name="TextBox 29"/>
+          <p:cNvSpPr txBox="1"/>
+          <p:nvPr/>
+        </p:nvSpPr>
+        <p:spPr>
+          <a:xfrm>
+            <a:off x="1547664" y="663079"/>
+            <a:ext cx="2160240" cy="461665"/>
+          </a:xfrm>
+          <a:prstGeom prst="rect">
+            <a:avLst/>
+          </a:prstGeom>
+          <a:noFill/>
+        </p:spPr>
+        <p:txBody>
+          <a:bodyPr wrap="square" rtlCol="0">
+            <a:spAutoFit/>
+          </a:bodyPr>
+          <a:lstStyle/>
+          <a:p>
+            <a:pPr algn="ctr"/>
+            <a:r>
+              <a:rPr lang="en-US" altLang="zh-CN" sz="2400" b="1" dirty="0" smtClean="0">
+                <a:solidFill>
+                  <a:schemeClr val="tx1">
+                    <a:lumMod val="75000"/>
+                    <a:lumOff val="25000"/>
+                  </a:schemeClr>
+                </a:solidFill>
+              </a:rPr>
+              <a:t>Train</a:t>
+            </a:r>
+            <a:endParaRPr lang="zh-CN" altLang="en-US" sz="2400" b="1" dirty="0">
+              <a:solidFill>
+                <a:schemeClr val="tx1">
+                  <a:lumMod val="75000"/>
+                  <a:lumOff val="25000"/>
+                </a:schemeClr>
+              </a:solidFill>
+            </a:endParaRPr>
+          </a:p>
+        </p:txBody>
+      </p:sp>
+      <p:sp>
+        <p:nvSpPr>
+          <p:cNvPr id="31" name="矩形 30"/>
           <p:cNvSpPr/>
           <p:nvPr/>
         </p:nvSpPr>
         <p:spPr>
           <a:xfrm>
-            <a:off x="1115616" y="1124744"/>
-            <a:ext cx="3024336" cy="3960440"/>
+            <a:off x="4696286" y="1941863"/>
+            <a:ext cx="3024336" cy="2063201"/>
           </a:xfrm>
           <a:prstGeom prst="rect">
             <a:avLst/>
@@ -4440,13 +4413,13 @@
       </p:sp>
       <p:sp>
         <p:nvSpPr>
-          <p:cNvPr id="30" name="TextBox 29"/>
+          <p:cNvPr id="32" name="TextBox 31"/>
           <p:cNvSpPr txBox="1"/>
           <p:nvPr/>
         </p:nvSpPr>
         <p:spPr>
           <a:xfrm>
-            <a:off x="1547664" y="663079"/>
+            <a:off x="5146336" y="1584250"/>
             <a:ext cx="2160240" cy="461665"/>
           </a:xfrm>
           <a:prstGeom prst="rect">
@@ -4470,7 +4443,7 @@
                   </a:schemeClr>
                 </a:solidFill>
               </a:rPr>
-              <a:t>Train</a:t>
+              <a:t>Test</a:t>
             </a:r>
             <a:endParaRPr lang="zh-CN" altLang="en-US" sz="2400" b="1" dirty="0">
               <a:solidFill>
@@ -4485,26 +4458,74 @@
       </p:sp>
       <p:sp>
         <p:nvSpPr>
-          <p:cNvPr id="31" name="矩形 30"/>
-          <p:cNvSpPr/>
+          <p:cNvPr id="34" name="TextBox 33"/>
+          <p:cNvSpPr txBox="1"/>
           <p:nvPr/>
         </p:nvSpPr>
         <p:spPr>
           <a:xfrm>
-            <a:off x="4696286" y="2276872"/>
-            <a:ext cx="3024336" cy="2808312"/>
+            <a:off x="5146336" y="663078"/>
+            <a:ext cx="2160240" cy="461665"/>
           </a:xfrm>
           <a:prstGeom prst="rect">
             <a:avLst/>
           </a:prstGeom>
           <a:noFill/>
+        </p:spPr>
+        <p:txBody>
+          <a:bodyPr wrap="square" rtlCol="0">
+            <a:spAutoFit/>
+          </a:bodyPr>
+          <a:lstStyle/>
+          <a:p>
+            <a:pPr algn="ctr"/>
+            <a:r>
+              <a:rPr lang="en-US" altLang="zh-CN" sz="2400" b="1" dirty="0" smtClean="0">
+                <a:solidFill>
+                  <a:schemeClr val="tx1">
+                    <a:lumMod val="75000"/>
+                    <a:lumOff val="25000"/>
+                  </a:schemeClr>
+                </a:solidFill>
+              </a:rPr>
+              <a:t>Validation</a:t>
+            </a:r>
+            <a:endParaRPr lang="zh-CN" altLang="en-US" sz="2400" b="1" dirty="0">
+              <a:solidFill>
+                <a:schemeClr val="tx1">
+                  <a:lumMod val="75000"/>
+                  <a:lumOff val="25000"/>
+                </a:schemeClr>
+              </a:solidFill>
+            </a:endParaRPr>
+          </a:p>
+        </p:txBody>
+      </p:sp>
+      <p:sp>
+        <p:nvSpPr>
+          <p:cNvPr id="18" name="右箭头 17"/>
+          <p:cNvSpPr/>
+          <p:nvPr/>
+        </p:nvSpPr>
+        <p:spPr>
+          <a:xfrm flipH="1">
+            <a:off x="4139952" y="1232756"/>
+            <a:ext cx="556334" cy="216024"/>
+          </a:xfrm>
+          <a:prstGeom prst="rightArrow">
+            <a:avLst/>
+          </a:prstGeom>
+          <a:solidFill>
+            <a:schemeClr val="bg1">
+              <a:lumMod val="85000"/>
+            </a:schemeClr>
+          </a:solidFill>
           <a:ln>
             <a:solidFill>
               <a:schemeClr val="bg1">
-                <a:lumMod val="50000"/>
+                <a:lumMod val="85000"/>
               </a:schemeClr>
             </a:solidFill>
-            <a:prstDash val="sysDash"/>
           </a:ln>
         </p:spPr>
         <p:style>
@@ -4534,71 +4555,29 @@
       </p:sp>
       <p:sp>
         <p:nvSpPr>
-          <p:cNvPr id="32" name="TextBox 31"/>
-          <p:cNvSpPr txBox="1"/>
+          <p:cNvPr id="20" name="下箭头 19"/>
+          <p:cNvSpPr/>
           <p:nvPr/>
         </p:nvSpPr>
         <p:spPr>
           <a:xfrm>
-            <a:off x="5133394" y="1815207"/>
-            <a:ext cx="2160240" cy="461665"/>
-          </a:xfrm>
-          <a:prstGeom prst="rect">
+            <a:off x="2559069" y="2646203"/>
+            <a:ext cx="210083" cy="537993"/>
+          </a:xfrm>
+          <a:prstGeom prst="downArrow">
             <a:avLst/>
           </a:prstGeom>
-          <a:noFill/>
-        </p:spPr>
-        <p:txBody>
-          <a:bodyPr wrap="square" rtlCol="0">
-            <a:spAutoFit/>
-          </a:bodyPr>
-          <a:lstStyle/>
-          <a:p>
-            <a:pPr algn="ctr"/>
-            <a:r>
-              <a:rPr lang="en-US" altLang="zh-CN" sz="2400" b="1" dirty="0" smtClean="0">
-                <a:solidFill>
-                  <a:schemeClr val="tx1">
-                    <a:lumMod val="75000"/>
-                    <a:lumOff val="25000"/>
-                  </a:schemeClr>
-                </a:solidFill>
-              </a:rPr>
-              <a:t>Test</a:t>
-            </a:r>
-            <a:endParaRPr lang="zh-CN" altLang="en-US" sz="2400" b="1" dirty="0">
-              <a:solidFill>
-                <a:schemeClr val="tx1">
-                  <a:lumMod val="75000"/>
-                  <a:lumOff val="25000"/>
-                </a:schemeClr>
-              </a:solidFill>
-            </a:endParaRPr>
-          </a:p>
-        </p:txBody>
-      </p:sp>
-      <p:sp>
-        <p:nvSpPr>
-          <p:cNvPr id="33" name="矩形 32"/>
-          <p:cNvSpPr/>
-          <p:nvPr/>
-        </p:nvSpPr>
-        <p:spPr>
-          <a:xfrm>
-            <a:off x="4696286" y="1124744"/>
-            <a:ext cx="3024336" cy="670771"/>
-          </a:xfrm>
-          <a:prstGeom prst="rect">
-            <a:avLst/>
-          </a:prstGeom>
-          <a:noFill/>
+          <a:solidFill>
+            <a:schemeClr val="bg1">
+              <a:lumMod val="65000"/>
+            </a:schemeClr>
+          </a:solidFill>
           <a:ln>
             <a:solidFill>
               <a:schemeClr val="bg1">
-                <a:lumMod val="50000"/>
+                <a:lumMod val="65000"/>
               </a:schemeClr>
             </a:solidFill>
-            <a:prstDash val="sysDash"/>
           </a:ln>
         </p:spPr>
         <p:style>
@@ -4628,46 +4607,50 @@
       </p:sp>
       <p:sp>
         <p:nvSpPr>
-          <p:cNvPr id="34" name="TextBox 33"/>
-          <p:cNvSpPr txBox="1"/>
+          <p:cNvPr id="33" name="矩形 32"/>
+          <p:cNvSpPr/>
           <p:nvPr/>
         </p:nvSpPr>
         <p:spPr>
           <a:xfrm>
-            <a:off x="5146336" y="663078"/>
-            <a:ext cx="2160240" cy="461665"/>
+            <a:off x="4696286" y="1124745"/>
+            <a:ext cx="3024336" cy="432048"/>
           </a:xfrm>
           <a:prstGeom prst="rect">
             <a:avLst/>
           </a:prstGeom>
           <a:noFill/>
-        </p:spPr>
-        <p:txBody>
-          <a:bodyPr wrap="square" rtlCol="0">
-            <a:spAutoFit/>
-          </a:bodyPr>
+          <a:ln>
+            <a:solidFill>
+              <a:schemeClr val="bg1">
+                <a:lumMod val="50000"/>
+              </a:schemeClr>
+            </a:solidFill>
+            <a:prstDash val="sysDash"/>
+          </a:ln>
+        </p:spPr>
+        <p:style>
+          <a:lnRef idx="2">
+            <a:schemeClr val="accent1">
+              <a:shade val="50000"/>
+            </a:schemeClr>
+          </a:lnRef>
+          <a:fillRef idx="1">
+            <a:schemeClr val="accent1"/>
+          </a:fillRef>
+          <a:effectRef idx="0">
+            <a:schemeClr val="accent1"/>
+          </a:effectRef>
+          <a:fontRef idx="minor">
+            <a:schemeClr val="lt1"/>
+          </a:fontRef>
+        </p:style>
+        <p:txBody>
+          <a:bodyPr rtlCol="0" anchor="ctr"/>
           <a:lstStyle/>
           <a:p>
             <a:pPr algn="ctr"/>
-            <a:r>
-              <a:rPr lang="en-US" altLang="zh-CN" sz="2400" b="1" dirty="0" smtClean="0">
-                <a:solidFill>
-                  <a:schemeClr val="tx1">
-                    <a:lumMod val="75000"/>
-                    <a:lumOff val="25000"/>
-                  </a:schemeClr>
-                </a:solidFill>
-              </a:rPr>
-              <a:t>Validation</a:t>
-            </a:r>
-            <a:endParaRPr lang="zh-CN" altLang="en-US" sz="2400" b="1" dirty="0">
-              <a:solidFill>
-                <a:schemeClr val="tx1">
-                  <a:lumMod val="75000"/>
-                  <a:lumOff val="25000"/>
-                </a:schemeClr>
-              </a:solidFill>
-            </a:endParaRPr>
+            <a:endParaRPr lang="zh-CN" altLang="en-US"/>
           </a:p>
         </p:txBody>
       </p:sp>
